--- a/lab7.pptx
+++ b/lab7.pptx
@@ -280,7 +280,7 @@
           <a:p>
             <a:fld id="{5F4B1607-496F-9A49-8C40-FD302BC7EEFF}" type="datetimeFigureOut">
               <a:rPr lang="en-US" smtClean="0"/>
-              <a:t>10/15/20</a:t>
+              <a:t>3/11/22</a:t>
             </a:fld>
             <a:endParaRPr lang="en-US"/>
           </a:p>
@@ -478,7 +478,7 @@
           <a:p>
             <a:fld id="{5F4B1607-496F-9A49-8C40-FD302BC7EEFF}" type="datetimeFigureOut">
               <a:rPr lang="en-US" smtClean="0"/>
-              <a:t>10/15/20</a:t>
+              <a:t>3/11/22</a:t>
             </a:fld>
             <a:endParaRPr lang="en-US"/>
           </a:p>
@@ -686,7 +686,7 @@
           <a:p>
             <a:fld id="{5F4B1607-496F-9A49-8C40-FD302BC7EEFF}" type="datetimeFigureOut">
               <a:rPr lang="en-US" smtClean="0"/>
-              <a:t>10/15/20</a:t>
+              <a:t>3/11/22</a:t>
             </a:fld>
             <a:endParaRPr lang="en-US"/>
           </a:p>
@@ -906,7 +906,7 @@
           <a:p>
             <a:fld id="{11B043F6-22EF-F045-9EFF-EB30A95A9032}" type="datetimeFigureOut">
               <a:rPr lang="en-US" smtClean="0"/>
-              <a:t>10/15/20</a:t>
+              <a:t>3/11/22</a:t>
             </a:fld>
             <a:endParaRPr lang="en-US"/>
           </a:p>
@@ -1104,7 +1104,7 @@
           <a:p>
             <a:fld id="{11B043F6-22EF-F045-9EFF-EB30A95A9032}" type="datetimeFigureOut">
               <a:rPr lang="en-US" smtClean="0"/>
-              <a:t>10/15/20</a:t>
+              <a:t>3/11/22</a:t>
             </a:fld>
             <a:endParaRPr lang="en-US"/>
           </a:p>
@@ -1379,7 +1379,7 @@
           <a:p>
             <a:fld id="{11B043F6-22EF-F045-9EFF-EB30A95A9032}" type="datetimeFigureOut">
               <a:rPr lang="en-US" smtClean="0"/>
-              <a:t>10/15/20</a:t>
+              <a:t>3/11/22</a:t>
             </a:fld>
             <a:endParaRPr lang="en-US"/>
           </a:p>
@@ -1644,7 +1644,7 @@
           <a:p>
             <a:fld id="{11B043F6-22EF-F045-9EFF-EB30A95A9032}" type="datetimeFigureOut">
               <a:rPr lang="en-US" smtClean="0"/>
-              <a:t>10/15/20</a:t>
+              <a:t>3/11/22</a:t>
             </a:fld>
             <a:endParaRPr lang="en-US"/>
           </a:p>
@@ -2056,7 +2056,7 @@
           <a:p>
             <a:fld id="{11B043F6-22EF-F045-9EFF-EB30A95A9032}" type="datetimeFigureOut">
               <a:rPr lang="en-US" smtClean="0"/>
-              <a:t>10/15/20</a:t>
+              <a:t>3/11/22</a:t>
             </a:fld>
             <a:endParaRPr lang="en-US"/>
           </a:p>
@@ -2197,7 +2197,7 @@
           <a:p>
             <a:fld id="{11B043F6-22EF-F045-9EFF-EB30A95A9032}" type="datetimeFigureOut">
               <a:rPr lang="en-US" smtClean="0"/>
-              <a:t>10/15/20</a:t>
+              <a:t>3/11/22</a:t>
             </a:fld>
             <a:endParaRPr lang="en-US"/>
           </a:p>
@@ -2310,7 +2310,7 @@
           <a:p>
             <a:fld id="{11B043F6-22EF-F045-9EFF-EB30A95A9032}" type="datetimeFigureOut">
               <a:rPr lang="en-US" smtClean="0"/>
-              <a:t>10/15/20</a:t>
+              <a:t>3/11/22</a:t>
             </a:fld>
             <a:endParaRPr lang="en-US"/>
           </a:p>
@@ -2621,7 +2621,7 @@
           <a:p>
             <a:fld id="{11B043F6-22EF-F045-9EFF-EB30A95A9032}" type="datetimeFigureOut">
               <a:rPr lang="en-US" smtClean="0"/>
-              <a:t>10/15/20</a:t>
+              <a:t>3/11/22</a:t>
             </a:fld>
             <a:endParaRPr lang="en-US"/>
           </a:p>
@@ -2819,7 +2819,7 @@
           <a:p>
             <a:fld id="{5F4B1607-496F-9A49-8C40-FD302BC7EEFF}" type="datetimeFigureOut">
               <a:rPr lang="en-US" smtClean="0"/>
-              <a:t>10/15/20</a:t>
+              <a:t>3/11/22</a:t>
             </a:fld>
             <a:endParaRPr lang="en-US"/>
           </a:p>
@@ -3107,7 +3107,7 @@
           <a:p>
             <a:fld id="{11B043F6-22EF-F045-9EFF-EB30A95A9032}" type="datetimeFigureOut">
               <a:rPr lang="en-US" smtClean="0"/>
-              <a:t>10/15/20</a:t>
+              <a:t>3/11/22</a:t>
             </a:fld>
             <a:endParaRPr lang="en-US"/>
           </a:p>
@@ -3305,7 +3305,7 @@
           <a:p>
             <a:fld id="{11B043F6-22EF-F045-9EFF-EB30A95A9032}" type="datetimeFigureOut">
               <a:rPr lang="en-US" smtClean="0"/>
-              <a:t>10/15/20</a:t>
+              <a:t>3/11/22</a:t>
             </a:fld>
             <a:endParaRPr lang="en-US"/>
           </a:p>
@@ -3513,7 +3513,7 @@
           <a:p>
             <a:fld id="{11B043F6-22EF-F045-9EFF-EB30A95A9032}" type="datetimeFigureOut">
               <a:rPr lang="en-US" smtClean="0"/>
-              <a:t>10/15/20</a:t>
+              <a:t>3/11/22</a:t>
             </a:fld>
             <a:endParaRPr lang="en-US"/>
           </a:p>
@@ -3788,7 +3788,7 @@
           <a:p>
             <a:fld id="{5F4B1607-496F-9A49-8C40-FD302BC7EEFF}" type="datetimeFigureOut">
               <a:rPr lang="en-US" smtClean="0"/>
-              <a:t>10/15/20</a:t>
+              <a:t>3/11/22</a:t>
             </a:fld>
             <a:endParaRPr lang="en-US"/>
           </a:p>
@@ -4053,7 +4053,7 @@
           <a:p>
             <a:fld id="{5F4B1607-496F-9A49-8C40-FD302BC7EEFF}" type="datetimeFigureOut">
               <a:rPr lang="en-US" smtClean="0"/>
-              <a:t>10/15/20</a:t>
+              <a:t>3/11/22</a:t>
             </a:fld>
             <a:endParaRPr lang="en-US"/>
           </a:p>
@@ -4465,7 +4465,7 @@
           <a:p>
             <a:fld id="{5F4B1607-496F-9A49-8C40-FD302BC7EEFF}" type="datetimeFigureOut">
               <a:rPr lang="en-US" smtClean="0"/>
-              <a:t>10/15/20</a:t>
+              <a:t>3/11/22</a:t>
             </a:fld>
             <a:endParaRPr lang="en-US"/>
           </a:p>
@@ -4606,7 +4606,7 @@
           <a:p>
             <a:fld id="{5F4B1607-496F-9A49-8C40-FD302BC7EEFF}" type="datetimeFigureOut">
               <a:rPr lang="en-US" smtClean="0"/>
-              <a:t>10/15/20</a:t>
+              <a:t>3/11/22</a:t>
             </a:fld>
             <a:endParaRPr lang="en-US"/>
           </a:p>
@@ -4719,7 +4719,7 @@
           <a:p>
             <a:fld id="{5F4B1607-496F-9A49-8C40-FD302BC7EEFF}" type="datetimeFigureOut">
               <a:rPr lang="en-US" smtClean="0"/>
-              <a:t>10/15/20</a:t>
+              <a:t>3/11/22</a:t>
             </a:fld>
             <a:endParaRPr lang="en-US"/>
           </a:p>
@@ -5030,7 +5030,7 @@
           <a:p>
             <a:fld id="{5F4B1607-496F-9A49-8C40-FD302BC7EEFF}" type="datetimeFigureOut">
               <a:rPr lang="en-US" smtClean="0"/>
-              <a:t>10/15/20</a:t>
+              <a:t>3/11/22</a:t>
             </a:fld>
             <a:endParaRPr lang="en-US"/>
           </a:p>
@@ -5318,7 +5318,7 @@
           <a:p>
             <a:fld id="{5F4B1607-496F-9A49-8C40-FD302BC7EEFF}" type="datetimeFigureOut">
               <a:rPr lang="en-US" smtClean="0"/>
-              <a:t>10/15/20</a:t>
+              <a:t>3/11/22</a:t>
             </a:fld>
             <a:endParaRPr lang="en-US"/>
           </a:p>
@@ -5559,7 +5559,7 @@
           <a:p>
             <a:fld id="{5F4B1607-496F-9A49-8C40-FD302BC7EEFF}" type="datetimeFigureOut">
               <a:rPr lang="en-US" smtClean="0"/>
-              <a:t>10/15/20</a:t>
+              <a:t>3/11/22</a:t>
             </a:fld>
             <a:endParaRPr lang="en-US"/>
           </a:p>
@@ -6127,7 +6127,7 @@
           <a:p>
             <a:fld id="{11B043F6-22EF-F045-9EFF-EB30A95A9032}" type="datetimeFigureOut">
               <a:rPr lang="en-US" smtClean="0"/>
-              <a:t>10/15/20</a:t>
+              <a:t>3/11/22</a:t>
             </a:fld>
             <a:endParaRPr lang="en-US"/>
           </a:p>
@@ -8342,6 +8342,58 @@
           </a:p>
         </p:txBody>
       </p:sp>
+      <p:sp>
+        <p:nvSpPr>
+          <p:cNvPr id="3" name="Rectangle 2">
+            <a:extLst>
+              <a:ext uri="{FF2B5EF4-FFF2-40B4-BE49-F238E27FC236}">
+                <a16:creationId xmlns:a16="http://schemas.microsoft.com/office/drawing/2014/main" id="{97483639-6D42-CE49-9FC2-775A590F13D9}"/>
+              </a:ext>
+            </a:extLst>
+          </p:cNvPr>
+          <p:cNvSpPr/>
+          <p:nvPr/>
+        </p:nvSpPr>
+        <p:spPr>
+          <a:xfrm>
+            <a:off x="9842643" y="3123344"/>
+            <a:ext cx="2229492" cy="760287"/>
+          </a:xfrm>
+          <a:prstGeom prst="rect">
+            <a:avLst/>
+          </a:prstGeom>
+          <a:solidFill>
+            <a:schemeClr val="bg1"/>
+          </a:solidFill>
+          <a:ln>
+            <a:noFill/>
+          </a:ln>
+        </p:spPr>
+        <p:style>
+          <a:lnRef idx="2">
+            <a:schemeClr val="accent1">
+              <a:shade val="50000"/>
+            </a:schemeClr>
+          </a:lnRef>
+          <a:fillRef idx="1">
+            <a:schemeClr val="accent1"/>
+          </a:fillRef>
+          <a:effectRef idx="0">
+            <a:schemeClr val="accent1"/>
+          </a:effectRef>
+          <a:fontRef idx="minor">
+            <a:schemeClr val="lt1"/>
+          </a:fontRef>
+        </p:style>
+        <p:txBody>
+          <a:bodyPr rtlCol="0" anchor="ctr"/>
+          <a:lstStyle/>
+          <a:p>
+            <a:pPr algn="ctr"/>
+            <a:endParaRPr lang="en-US"/>
+          </a:p>
+        </p:txBody>
+      </p:sp>
     </p:spTree>
     <p:extLst>
       <p:ext uri="{BB962C8B-B14F-4D97-AF65-F5344CB8AC3E}">
@@ -8395,7 +8447,7 @@
           <a:p>
             <a:r>
               <a:rPr lang="en-US" dirty="0"/>
-              <a:t>Given Function</a:t>
+              <a:t>Given Functions</a:t>
             </a:r>
           </a:p>
         </p:txBody>
@@ -10298,7 +10350,7 @@
         <p:spPr>
           <a:xfrm>
             <a:off x="838200" y="2428255"/>
-            <a:ext cx="8991600" cy="3785652"/>
+            <a:ext cx="8991600" cy="3170099"/>
           </a:xfrm>
           <a:prstGeom prst="rect">
             <a:avLst/>
@@ -10370,12 +10422,22 @@
             <a:r>
               <a:rPr lang="en-US" sz="2000" b="0" i="0" dirty="0">
                 <a:solidFill>
-                  <a:srgbClr val="0070C0"/>
+                  <a:srgbClr val="333333"/>
                 </a:solidFill>
                 <a:effectLst/>
                 <a:latin typeface="Courier" pitchFamily="2" charset="0"/>
               </a:rPr>
-              <a:t>for</a:t>
+              <a:t>Find an empty cell (</a:t>
+            </a:r>
+            <a:r>
+              <a:rPr lang="en-US" sz="2000" b="0" i="0" dirty="0" err="1">
+                <a:solidFill>
+                  <a:srgbClr val="333333"/>
+                </a:solidFill>
+                <a:effectLst/>
+                <a:latin typeface="Courier" pitchFamily="2" charset="0"/>
+              </a:rPr>
+              <a:t>i</a:t>
             </a:r>
             <a:r>
               <a:rPr lang="en-US" sz="2000" b="0" i="0" dirty="0">
@@ -10385,21 +10447,11 @@
                 <a:effectLst/>
                 <a:latin typeface="Courier" pitchFamily="2" charset="0"/>
               </a:rPr>
-              <a:t> each row</a:t>
+              <a:t>, j)</a:t>
             </a:r>
           </a:p>
           <a:p>
             <a:pPr fontAlgn="base"/>
-            <a:r>
-              <a:rPr lang="en-US" sz="2000" b="0" i="0" dirty="0">
-                <a:solidFill>
-                  <a:srgbClr val="333333"/>
-                </a:solidFill>
-                <a:effectLst/>
-                <a:latin typeface="Courier" pitchFamily="2" charset="0"/>
-              </a:rPr>
-              <a:t>    </a:t>
-            </a:r>
             <a:r>
               <a:rPr lang="en-US" sz="2000" b="0" i="0" dirty="0">
                 <a:solidFill>
@@ -10418,7 +10470,52 @@
                 <a:effectLst/>
                 <a:latin typeface="Courier" pitchFamily="2" charset="0"/>
               </a:rPr>
-              <a:t> each column</a:t>
+              <a:t> each possible value</a:t>
+            </a:r>
+          </a:p>
+          <a:p>
+            <a:pPr fontAlgn="base"/>
+            <a:r>
+              <a:rPr lang="en-US" sz="2000" dirty="0">
+                <a:solidFill>
+                  <a:srgbClr val="333333"/>
+                </a:solidFill>
+                <a:latin typeface="Courier" pitchFamily="2" charset="0"/>
+              </a:rPr>
+              <a:t>    </a:t>
+            </a:r>
+            <a:r>
+              <a:rPr lang="en-US" sz="2000" b="0" i="0" dirty="0">
+                <a:solidFill>
+                  <a:srgbClr val="0070C0"/>
+                </a:solidFill>
+                <a:effectLst/>
+                <a:latin typeface="Courier" pitchFamily="2" charset="0"/>
+              </a:rPr>
+              <a:t>if </a:t>
+            </a:r>
+            <a:r>
+              <a:rPr lang="en-US" sz="2000" b="0" i="0" dirty="0">
+                <a:solidFill>
+                  <a:srgbClr val="333333"/>
+                </a:solidFill>
+                <a:effectLst/>
+                <a:latin typeface="Courier" pitchFamily="2" charset="0"/>
+              </a:rPr>
+              <a:t>that value is valid</a:t>
+            </a:r>
+          </a:p>
+          <a:p>
+            <a:pPr fontAlgn="base"/>
+            <a:r>
+              <a:rPr lang="en-US" sz="2000" b="0" i="0" dirty="0">
+                <a:solidFill>
+                  <a:srgbClr val="333333"/>
+                </a:solidFill>
+                <a:effectLst/>
+                <a:latin typeface="Courier" pitchFamily="2" charset="0"/>
+              </a:rPr>
+              <a:t>        place it there</a:t>
             </a:r>
           </a:p>
           <a:p>
@@ -10451,118 +10548,6 @@
                 <a:effectLst/>
                 <a:latin typeface="Courier" pitchFamily="2" charset="0"/>
               </a:rPr>
-              <a:t> the cell at (row, column) is empty</a:t>
-            </a:r>
-          </a:p>
-          <a:p>
-            <a:pPr fontAlgn="base"/>
-            <a:r>
-              <a:rPr lang="en-US" sz="2000" b="0" i="0" dirty="0">
-                <a:solidFill>
-                  <a:srgbClr val="333333"/>
-                </a:solidFill>
-                <a:effectLst/>
-                <a:latin typeface="Courier" pitchFamily="2" charset="0"/>
-              </a:rPr>
-              <a:t>            </a:t>
-            </a:r>
-            <a:r>
-              <a:rPr lang="en-US" sz="2000" b="0" i="0" dirty="0">
-                <a:solidFill>
-                  <a:srgbClr val="0070C0"/>
-                </a:solidFill>
-                <a:effectLst/>
-                <a:latin typeface="Courier" pitchFamily="2" charset="0"/>
-              </a:rPr>
-              <a:t>for</a:t>
-            </a:r>
-            <a:r>
-              <a:rPr lang="en-US" sz="2000" b="0" i="0" dirty="0">
-                <a:solidFill>
-                  <a:srgbClr val="333333"/>
-                </a:solidFill>
-                <a:effectLst/>
-                <a:latin typeface="Courier" pitchFamily="2" charset="0"/>
-              </a:rPr>
-              <a:t> each possible value</a:t>
-            </a:r>
-          </a:p>
-          <a:p>
-            <a:pPr fontAlgn="base"/>
-            <a:r>
-              <a:rPr lang="en-US" sz="2000" b="0" i="0" dirty="0">
-                <a:solidFill>
-                  <a:srgbClr val="333333"/>
-                </a:solidFill>
-                <a:effectLst/>
-                <a:latin typeface="Courier" pitchFamily="2" charset="0"/>
-              </a:rPr>
-              <a:t>               </a:t>
-            </a:r>
-            <a:r>
-              <a:rPr lang="en-US" sz="2000" b="0" i="0" dirty="0">
-                <a:solidFill>
-                  <a:srgbClr val="0070C0"/>
-                </a:solidFill>
-                <a:effectLst/>
-                <a:latin typeface="Courier" pitchFamily="2" charset="0"/>
-              </a:rPr>
-              <a:t> if </a:t>
-            </a:r>
-            <a:r>
-              <a:rPr lang="en-US" sz="2000" b="0" i="0" dirty="0">
-                <a:solidFill>
-                  <a:srgbClr val="333333"/>
-                </a:solidFill>
-                <a:effectLst/>
-                <a:latin typeface="Courier" pitchFamily="2" charset="0"/>
-              </a:rPr>
-              <a:t>that value is valid</a:t>
-            </a:r>
-          </a:p>
-          <a:p>
-            <a:pPr fontAlgn="base"/>
-            <a:r>
-              <a:rPr lang="en-US" sz="2000" b="0" i="0" dirty="0">
-                <a:solidFill>
-                  <a:srgbClr val="333333"/>
-                </a:solidFill>
-                <a:effectLst/>
-                <a:latin typeface="Courier" pitchFamily="2" charset="0"/>
-              </a:rPr>
-              <a:t>                    place it there</a:t>
-            </a:r>
-          </a:p>
-          <a:p>
-            <a:pPr fontAlgn="base"/>
-            <a:r>
-              <a:rPr lang="en-US" sz="2000" b="0" i="0" dirty="0">
-                <a:solidFill>
-                  <a:srgbClr val="333333"/>
-                </a:solidFill>
-                <a:effectLst/>
-                <a:latin typeface="Courier" pitchFamily="2" charset="0"/>
-              </a:rPr>
-              <a:t>                    </a:t>
-            </a:r>
-            <a:r>
-              <a:rPr lang="en-US" sz="2000" b="0" i="0" dirty="0">
-                <a:solidFill>
-                  <a:srgbClr val="0070C0"/>
-                </a:solidFill>
-                <a:effectLst/>
-                <a:latin typeface="Courier" pitchFamily="2" charset="0"/>
-              </a:rPr>
-              <a:t>if</a:t>
-            </a:r>
-            <a:r>
-              <a:rPr lang="en-US" sz="2000" b="0" i="0" dirty="0">
-                <a:solidFill>
-                  <a:srgbClr val="333333"/>
-                </a:solidFill>
-                <a:effectLst/>
-                <a:latin typeface="Courier" pitchFamily="2" charset="0"/>
-              </a:rPr>
               <a:t> </a:t>
             </a:r>
             <a:r>
@@ -10596,7 +10581,7 @@
                 <a:effectLst/>
                 <a:latin typeface="Courier" pitchFamily="2" charset="0"/>
               </a:rPr>
-              <a:t>                        </a:t>
+              <a:t>            </a:t>
             </a:r>
             <a:r>
               <a:rPr lang="en-US" sz="2000" b="0" i="0" dirty="0">
@@ -10629,21 +10614,11 @@
                 <a:effectLst/>
                 <a:latin typeface="Courier" pitchFamily="2" charset="0"/>
               </a:rPr>
-              <a:t>                    zero the cell</a:t>
+              <a:t>        zero the cell</a:t>
             </a:r>
           </a:p>
           <a:p>
             <a:pPr fontAlgn="base"/>
-            <a:r>
-              <a:rPr lang="en-US" sz="2000" b="0" i="0" dirty="0">
-                <a:solidFill>
-                  <a:srgbClr val="333333"/>
-                </a:solidFill>
-                <a:effectLst/>
-                <a:latin typeface="Courier" pitchFamily="2" charset="0"/>
-              </a:rPr>
-              <a:t>        </a:t>
-            </a:r>
             <a:r>
               <a:rPr lang="en-US" sz="2000" b="0" i="0" dirty="0">
                 <a:solidFill>
@@ -10652,7 +10627,7 @@
                 <a:effectLst/>
                 <a:latin typeface="Courier" pitchFamily="2" charset="0"/>
               </a:rPr>
-              <a:t>    return </a:t>
+              <a:t>return </a:t>
             </a:r>
             <a:r>
               <a:rPr lang="en-US" sz="2000" b="0" i="0" dirty="0">
@@ -10696,17 +10671,27 @@
           <a:p>
             <a:r>
               <a:rPr lang="en-US" dirty="0" err="1">
+                <a:solidFill>
+                  <a:schemeClr val="bg1"/>
+                </a:solidFill>
                 <a:latin typeface="Courier" pitchFamily="2" charset="0"/>
               </a:rPr>
               <a:t>FindUnassignedLocation</a:t>
             </a:r>
             <a:r>
               <a:rPr lang="en-US" dirty="0">
+                <a:solidFill>
+                  <a:schemeClr val="bg1"/>
+                </a:solidFill>
                 <a:latin typeface="Courier" pitchFamily="2" charset="0"/>
               </a:rPr>
               <a:t>()</a:t>
             </a:r>
-            <a:endParaRPr lang="en-US" dirty="0"/>
+            <a:endParaRPr lang="en-US" dirty="0">
+              <a:solidFill>
+                <a:schemeClr val="bg1"/>
+              </a:solidFill>
+            </a:endParaRPr>
           </a:p>
         </p:txBody>
       </p:sp>
@@ -10845,36 +10830,6 @@
           </a:p>
         </p:txBody>
       </p:sp>
-      <p:pic>
-        <p:nvPicPr>
-          <p:cNvPr id="7" name="Picture 6">
-            <a:extLst>
-              <a:ext uri="{FF2B5EF4-FFF2-40B4-BE49-F238E27FC236}">
-                <a16:creationId xmlns:a16="http://schemas.microsoft.com/office/drawing/2014/main" id="{C6F73206-2EAF-D747-BD2B-57353F29C4D4}"/>
-              </a:ext>
-            </a:extLst>
-          </p:cNvPr>
-          <p:cNvPicPr>
-            <a:picLocks noChangeAspect="1"/>
-          </p:cNvPicPr>
-          <p:nvPr/>
-        </p:nvPicPr>
-        <p:blipFill>
-          <a:blip r:embed="rId2"/>
-          <a:stretch>
-            <a:fillRect/>
-          </a:stretch>
-        </p:blipFill>
-        <p:spPr>
-          <a:xfrm>
-            <a:off x="427966" y="2260120"/>
-            <a:ext cx="6625737" cy="3285107"/>
-          </a:xfrm>
-          <a:prstGeom prst="rect">
-            <a:avLst/>
-          </a:prstGeom>
-        </p:spPr>
-      </p:pic>
       <p:graphicFrame>
         <p:nvGraphicFramePr>
           <p:cNvPr id="8" name="Table 8">
@@ -11366,47 +11321,6 @@
           </a:graphicData>
         </a:graphic>
       </p:graphicFrame>
-      <p:cxnSp>
-        <p:nvCxnSpPr>
-          <p:cNvPr id="13" name="Straight Arrow Connector 12">
-            <a:extLst>
-              <a:ext uri="{FF2B5EF4-FFF2-40B4-BE49-F238E27FC236}">
-                <a16:creationId xmlns:a16="http://schemas.microsoft.com/office/drawing/2014/main" id="{8065ACD2-45E2-2841-B096-EF02A85D770D}"/>
-              </a:ext>
-            </a:extLst>
-          </p:cNvPr>
-          <p:cNvCxnSpPr>
-            <a:cxnSpLocks/>
-          </p:cNvCxnSpPr>
-          <p:nvPr/>
-        </p:nvCxnSpPr>
-        <p:spPr>
-          <a:xfrm flipH="1">
-            <a:off x="6096001" y="2552062"/>
-            <a:ext cx="2365555" cy="1935051"/>
-          </a:xfrm>
-          <a:prstGeom prst="straightConnector1">
-            <a:avLst/>
-          </a:prstGeom>
-          <a:ln>
-            <a:tailEnd type="triangle"/>
-          </a:ln>
-        </p:spPr>
-        <p:style>
-          <a:lnRef idx="1">
-            <a:schemeClr val="accent1"/>
-          </a:lnRef>
-          <a:fillRef idx="0">
-            <a:schemeClr val="accent1"/>
-          </a:fillRef>
-          <a:effectRef idx="0">
-            <a:schemeClr val="accent1"/>
-          </a:effectRef>
-          <a:fontRef idx="minor">
-            <a:schemeClr val="tx1"/>
-          </a:fontRef>
-        </p:style>
-      </p:cxnSp>
       <p:graphicFrame>
         <p:nvGraphicFramePr>
           <p:cNvPr id="17" name="Table 8">
@@ -11773,47 +11687,6 @@
           </a:graphicData>
         </a:graphic>
       </p:graphicFrame>
-      <p:cxnSp>
-        <p:nvCxnSpPr>
-          <p:cNvPr id="30" name="Straight Arrow Connector 29">
-            <a:extLst>
-              <a:ext uri="{FF2B5EF4-FFF2-40B4-BE49-F238E27FC236}">
-                <a16:creationId xmlns:a16="http://schemas.microsoft.com/office/drawing/2014/main" id="{E2F9AF28-3728-AA42-BB06-77B94C6B4560}"/>
-              </a:ext>
-            </a:extLst>
-          </p:cNvPr>
-          <p:cNvCxnSpPr>
-            <a:cxnSpLocks/>
-          </p:cNvCxnSpPr>
-          <p:nvPr/>
-        </p:nvCxnSpPr>
-        <p:spPr>
-          <a:xfrm flipH="1">
-            <a:off x="6314536" y="4155116"/>
-            <a:ext cx="2973244" cy="509300"/>
-          </a:xfrm>
-          <a:prstGeom prst="straightConnector1">
-            <a:avLst/>
-          </a:prstGeom>
-          <a:ln>
-            <a:tailEnd type="triangle"/>
-          </a:ln>
-        </p:spPr>
-        <p:style>
-          <a:lnRef idx="1">
-            <a:schemeClr val="accent1"/>
-          </a:lnRef>
-          <a:fillRef idx="0">
-            <a:schemeClr val="accent1"/>
-          </a:fillRef>
-          <a:effectRef idx="0">
-            <a:schemeClr val="accent1"/>
-          </a:effectRef>
-          <a:fontRef idx="minor">
-            <a:schemeClr val="tx1"/>
-          </a:fontRef>
-        </p:style>
-      </p:cxnSp>
       <p:graphicFrame>
         <p:nvGraphicFramePr>
           <p:cNvPr id="32" name="Table 8">
@@ -12067,6 +11940,36 @@
           </a:graphicData>
         </a:graphic>
       </p:graphicFrame>
+      <p:pic>
+        <p:nvPicPr>
+          <p:cNvPr id="5" name="Picture 4">
+            <a:extLst>
+              <a:ext uri="{FF2B5EF4-FFF2-40B4-BE49-F238E27FC236}">
+                <a16:creationId xmlns:a16="http://schemas.microsoft.com/office/drawing/2014/main" id="{DE2B5F72-6DE9-394F-98E7-7904F7006221}"/>
+              </a:ext>
+            </a:extLst>
+          </p:cNvPr>
+          <p:cNvPicPr>
+            <a:picLocks noChangeAspect="1"/>
+          </p:cNvPicPr>
+          <p:nvPr/>
+        </p:nvPicPr>
+        <p:blipFill>
+          <a:blip r:embed="rId2"/>
+          <a:stretch>
+            <a:fillRect/>
+          </a:stretch>
+        </p:blipFill>
+        <p:spPr>
+          <a:xfrm>
+            <a:off x="333033" y="2104153"/>
+            <a:ext cx="9093200" cy="3898900"/>
+          </a:xfrm>
+          <a:prstGeom prst="rect">
+            <a:avLst/>
+          </a:prstGeom>
+        </p:spPr>
+      </p:pic>
     </p:spTree>
     <p:extLst>
       <p:ext uri="{BB962C8B-B14F-4D97-AF65-F5344CB8AC3E}">
@@ -12169,33 +12072,6 @@
                                   </p:childTnLst>
                                 </p:cTn>
                               </p:par>
-                              <p:par>
-                                <p:cTn id="11" presetID="1" presetClass="entr" presetSubtype="0" fill="hold" nodeType="withEffect">
-                                  <p:stCondLst>
-                                    <p:cond delay="0"/>
-                                  </p:stCondLst>
-                                  <p:childTnLst>
-                                    <p:set>
-                                      <p:cBhvr>
-                                        <p:cTn id="12" dur="1" fill="hold">
-                                          <p:stCondLst>
-                                            <p:cond delay="0"/>
-                                          </p:stCondLst>
-                                        </p:cTn>
-                                        <p:tgtEl>
-                                          <p:spTgt spid="13"/>
-                                        </p:tgtEl>
-                                        <p:attrNameLst>
-                                          <p:attrName>style.visibility</p:attrName>
-                                        </p:attrNameLst>
-                                      </p:cBhvr>
-                                      <p:to>
-                                        <p:strVal val="visible"/>
-                                      </p:to>
-                                    </p:set>
-                                  </p:childTnLst>
-                                </p:cTn>
-                              </p:par>
                             </p:childTnLst>
                           </p:cTn>
                         </p:par>
@@ -12203,26 +12079,26 @@
                     </p:cTn>
                   </p:par>
                   <p:par>
-                    <p:cTn id="13" fill="hold">
+                    <p:cTn id="11" fill="hold">
                       <p:stCondLst>
                         <p:cond delay="indefinite"/>
                       </p:stCondLst>
                       <p:childTnLst>
                         <p:par>
-                          <p:cTn id="14" fill="hold">
+                          <p:cTn id="12" fill="hold">
                             <p:stCondLst>
                               <p:cond delay="0"/>
                             </p:stCondLst>
                             <p:childTnLst>
                               <p:par>
-                                <p:cTn id="15" presetID="1" presetClass="exit" presetSubtype="0" fill="hold" nodeType="clickEffect">
+                                <p:cTn id="13" presetID="1" presetClass="exit" presetSubtype="0" fill="hold" nodeType="clickEffect">
                                   <p:stCondLst>
                                     <p:cond delay="0"/>
                                   </p:stCondLst>
                                   <p:childTnLst>
                                     <p:set>
                                       <p:cBhvr>
-                                        <p:cTn id="16" dur="1" fill="hold">
+                                        <p:cTn id="14" dur="1" fill="hold">
                                           <p:stCondLst>
                                             <p:cond delay="0"/>
                                           </p:stCondLst>
@@ -12241,8 +12117,26 @@
                                   </p:childTnLst>
                                 </p:cTn>
                               </p:par>
+                            </p:childTnLst>
+                          </p:cTn>
+                        </p:par>
+                      </p:childTnLst>
+                    </p:cTn>
+                  </p:par>
+                  <p:par>
+                    <p:cTn id="15" fill="hold">
+                      <p:stCondLst>
+                        <p:cond delay="indefinite"/>
+                      </p:stCondLst>
+                      <p:childTnLst>
+                        <p:par>
+                          <p:cTn id="16" fill="hold">
+                            <p:stCondLst>
+                              <p:cond delay="0"/>
+                            </p:stCondLst>
+                            <p:childTnLst>
                               <p:par>
-                                <p:cTn id="17" presetID="1" presetClass="exit" presetSubtype="0" fill="hold" nodeType="withEffect">
+                                <p:cTn id="17" presetID="1" presetClass="entr" presetSubtype="0" fill="hold" nodeType="clickEffect">
                                   <p:stCondLst>
                                     <p:cond delay="0"/>
                                   </p:stCondLst>
@@ -12255,14 +12149,14 @@
                                           </p:stCondLst>
                                         </p:cTn>
                                         <p:tgtEl>
-                                          <p:spTgt spid="13"/>
+                                          <p:spTgt spid="11"/>
                                         </p:tgtEl>
                                         <p:attrNameLst>
                                           <p:attrName>style.visibility</p:attrName>
                                         </p:attrNameLst>
                                       </p:cBhvr>
                                       <p:to>
-                                        <p:strVal val="hidden"/>
+                                        <p:strVal val="visible"/>
                                       </p:to>
                                     </p:set>
                                   </p:childTnLst>
@@ -12300,7 +12194,7 @@
                                           </p:stCondLst>
                                         </p:cTn>
                                         <p:tgtEl>
-                                          <p:spTgt spid="11"/>
+                                          <p:spTgt spid="20"/>
                                         </p:tgtEl>
                                         <p:attrNameLst>
                                           <p:attrName>style.visibility</p:attrName>
@@ -12345,7 +12239,7 @@
                                           </p:stCondLst>
                                         </p:cTn>
                                         <p:tgtEl>
-                                          <p:spTgt spid="20"/>
+                                          <p:spTgt spid="21"/>
                                         </p:tgtEl>
                                         <p:attrNameLst>
                                           <p:attrName>style.visibility</p:attrName>
@@ -12403,33 +12297,6 @@
                                   </p:childTnLst>
                                 </p:cTn>
                               </p:par>
-                              <p:par>
-                                <p:cTn id="31" presetID="1" presetClass="entr" presetSubtype="0" fill="hold" nodeType="withEffect">
-                                  <p:stCondLst>
-                                    <p:cond delay="0"/>
-                                  </p:stCondLst>
-                                  <p:childTnLst>
-                                    <p:set>
-                                      <p:cBhvr>
-                                        <p:cTn id="32" dur="1" fill="hold">
-                                          <p:stCondLst>
-                                            <p:cond delay="0"/>
-                                          </p:stCondLst>
-                                        </p:cTn>
-                                        <p:tgtEl>
-                                          <p:spTgt spid="30"/>
-                                        </p:tgtEl>
-                                        <p:attrNameLst>
-                                          <p:attrName>style.visibility</p:attrName>
-                                        </p:attrNameLst>
-                                      </p:cBhvr>
-                                      <p:to>
-                                        <p:strVal val="visible"/>
-                                      </p:to>
-                                    </p:set>
-                                  </p:childTnLst>
-                                </p:cTn>
-                              </p:par>
                             </p:childTnLst>
                           </p:cTn>
                         </p:par>
@@ -12437,71 +12304,26 @@
                     </p:cTn>
                   </p:par>
                   <p:par>
-                    <p:cTn id="33" fill="hold">
+                    <p:cTn id="31" fill="hold">
                       <p:stCondLst>
                         <p:cond delay="indefinite"/>
                       </p:stCondLst>
                       <p:childTnLst>
                         <p:par>
-                          <p:cTn id="34" fill="hold">
+                          <p:cTn id="32" fill="hold">
                             <p:stCondLst>
                               <p:cond delay="0"/>
                             </p:stCondLst>
                             <p:childTnLst>
                               <p:par>
-                                <p:cTn id="35" presetID="1" presetClass="entr" presetSubtype="0" fill="hold" nodeType="clickEffect">
+                                <p:cTn id="33" presetID="1" presetClass="entr" presetSubtype="0" fill="hold" nodeType="clickEffect">
                                   <p:stCondLst>
                                     <p:cond delay="0"/>
                                   </p:stCondLst>
                                   <p:childTnLst>
                                     <p:set>
                                       <p:cBhvr>
-                                        <p:cTn id="36" dur="1" fill="hold">
-                                          <p:stCondLst>
-                                            <p:cond delay="0"/>
-                                          </p:stCondLst>
-                                        </p:cTn>
-                                        <p:tgtEl>
-                                          <p:spTgt spid="21"/>
-                                        </p:tgtEl>
-                                        <p:attrNameLst>
-                                          <p:attrName>style.visibility</p:attrName>
-                                        </p:attrNameLst>
-                                      </p:cBhvr>
-                                      <p:to>
-                                        <p:strVal val="visible"/>
-                                      </p:to>
-                                    </p:set>
-                                  </p:childTnLst>
-                                </p:cTn>
-                              </p:par>
-                            </p:childTnLst>
-                          </p:cTn>
-                        </p:par>
-                      </p:childTnLst>
-                    </p:cTn>
-                  </p:par>
-                  <p:par>
-                    <p:cTn id="37" fill="hold">
-                      <p:stCondLst>
-                        <p:cond delay="indefinite"/>
-                      </p:stCondLst>
-                      <p:childTnLst>
-                        <p:par>
-                          <p:cTn id="38" fill="hold">
-                            <p:stCondLst>
-                              <p:cond delay="0"/>
-                            </p:stCondLst>
-                            <p:childTnLst>
-                              <p:par>
-                                <p:cTn id="39" presetID="1" presetClass="entr" presetSubtype="0" fill="hold" nodeType="clickEffect">
-                                  <p:stCondLst>
-                                    <p:cond delay="0"/>
-                                  </p:stCondLst>
-                                  <p:childTnLst>
-                                    <p:set>
-                                      <p:cBhvr>
-                                        <p:cTn id="40" dur="1" fill="hold">
+                                        <p:cTn id="34" dur="1" fill="hold">
                                           <p:stCondLst>
                                             <p:cond delay="0"/>
                                           </p:stCondLst>
@@ -12527,26 +12349,26 @@
                     </p:cTn>
                   </p:par>
                   <p:par>
-                    <p:cTn id="41" fill="hold">
+                    <p:cTn id="35" fill="hold">
                       <p:stCondLst>
                         <p:cond delay="indefinite"/>
                       </p:stCondLst>
                       <p:childTnLst>
                         <p:par>
-                          <p:cTn id="42" fill="hold">
+                          <p:cTn id="36" fill="hold">
                             <p:stCondLst>
                               <p:cond delay="0"/>
                             </p:stCondLst>
                             <p:childTnLst>
                               <p:par>
-                                <p:cTn id="43" presetID="1" presetClass="entr" presetSubtype="0" fill="hold" nodeType="clickEffect">
+                                <p:cTn id="37" presetID="1" presetClass="entr" presetSubtype="0" fill="hold" nodeType="clickEffect">
                                   <p:stCondLst>
                                     <p:cond delay="0"/>
                                   </p:stCondLst>
                                   <p:childTnLst>
                                     <p:set>
                                       <p:cBhvr>
-                                        <p:cTn id="44" dur="1" fill="hold">
+                                        <p:cTn id="38" dur="1" fill="hold">
                                           <p:stCondLst>
                                             <p:cond delay="0"/>
                                           </p:stCondLst>
@@ -12572,26 +12394,26 @@
                     </p:cTn>
                   </p:par>
                   <p:par>
-                    <p:cTn id="45" fill="hold">
+                    <p:cTn id="39" fill="hold">
                       <p:stCondLst>
                         <p:cond delay="indefinite"/>
                       </p:stCondLst>
                       <p:childTnLst>
                         <p:par>
-                          <p:cTn id="46" fill="hold">
+                          <p:cTn id="40" fill="hold">
                             <p:stCondLst>
                               <p:cond delay="0"/>
                             </p:stCondLst>
                             <p:childTnLst>
                               <p:par>
-                                <p:cTn id="47" presetID="1" presetClass="entr" presetSubtype="0" fill="hold" nodeType="clickEffect">
+                                <p:cTn id="41" presetID="1" presetClass="entr" presetSubtype="0" fill="hold" nodeType="clickEffect">
                                   <p:stCondLst>
                                     <p:cond delay="0"/>
                                   </p:stCondLst>
                                   <p:childTnLst>
                                     <p:set>
                                       <p:cBhvr>
-                                        <p:cTn id="48" dur="1" fill="hold">
+                                        <p:cTn id="42" dur="1" fill="hold">
                                           <p:stCondLst>
                                             <p:cond delay="0"/>
                                           </p:stCondLst>
@@ -12617,26 +12439,26 @@
                     </p:cTn>
                   </p:par>
                   <p:par>
-                    <p:cTn id="49" fill="hold">
+                    <p:cTn id="43" fill="hold">
                       <p:stCondLst>
                         <p:cond delay="indefinite"/>
                       </p:stCondLst>
                       <p:childTnLst>
                         <p:par>
-                          <p:cTn id="50" fill="hold">
+                          <p:cTn id="44" fill="hold">
                             <p:stCondLst>
                               <p:cond delay="0"/>
                             </p:stCondLst>
                             <p:childTnLst>
                               <p:par>
-                                <p:cTn id="51" presetID="1" presetClass="entr" presetSubtype="0" fill="hold" nodeType="clickEffect">
+                                <p:cTn id="45" presetID="1" presetClass="entr" presetSubtype="0" fill="hold" nodeType="clickEffect">
                                   <p:stCondLst>
                                     <p:cond delay="0"/>
                                   </p:stCondLst>
                                   <p:childTnLst>
                                     <p:set>
                                       <p:cBhvr>
-                                        <p:cTn id="52" dur="1" fill="hold">
+                                        <p:cTn id="46" dur="1" fill="hold">
                                           <p:stCondLst>
                                             <p:cond delay="0"/>
                                           </p:stCondLst>
@@ -12662,26 +12484,26 @@
                     </p:cTn>
                   </p:par>
                   <p:par>
-                    <p:cTn id="53" fill="hold">
+                    <p:cTn id="47" fill="hold">
                       <p:stCondLst>
                         <p:cond delay="indefinite"/>
                       </p:stCondLst>
                       <p:childTnLst>
                         <p:par>
-                          <p:cTn id="54" fill="hold">
+                          <p:cTn id="48" fill="hold">
                             <p:stCondLst>
                               <p:cond delay="0"/>
                             </p:stCondLst>
                             <p:childTnLst>
                               <p:par>
-                                <p:cTn id="55" presetID="1" presetClass="entr" presetSubtype="0" fill="hold" nodeType="clickEffect">
+                                <p:cTn id="49" presetID="1" presetClass="entr" presetSubtype="0" fill="hold" nodeType="clickEffect">
                                   <p:stCondLst>
                                     <p:cond delay="0"/>
                                   </p:stCondLst>
                                   <p:childTnLst>
                                     <p:set>
                                       <p:cBhvr>
-                                        <p:cTn id="56" dur="1" fill="hold">
+                                        <p:cTn id="50" dur="1" fill="hold">
                                           <p:stCondLst>
                                             <p:cond delay="0"/>
                                           </p:stCondLst>
@@ -12707,26 +12529,26 @@
                     </p:cTn>
                   </p:par>
                   <p:par>
-                    <p:cTn id="57" fill="hold">
+                    <p:cTn id="51" fill="hold">
                       <p:stCondLst>
                         <p:cond delay="indefinite"/>
                       </p:stCondLst>
                       <p:childTnLst>
                         <p:par>
-                          <p:cTn id="58" fill="hold">
+                          <p:cTn id="52" fill="hold">
                             <p:stCondLst>
                               <p:cond delay="0"/>
                             </p:stCondLst>
                             <p:childTnLst>
                               <p:par>
-                                <p:cTn id="59" presetID="1" presetClass="entr" presetSubtype="0" fill="hold" nodeType="clickEffect">
+                                <p:cTn id="53" presetID="1" presetClass="entr" presetSubtype="0" fill="hold" nodeType="clickEffect">
                                   <p:stCondLst>
                                     <p:cond delay="0"/>
                                   </p:stCondLst>
                                   <p:childTnLst>
                                     <p:set>
                                       <p:cBhvr>
-                                        <p:cTn id="60" dur="1" fill="hold">
+                                        <p:cTn id="54" dur="1" fill="hold">
                                           <p:stCondLst>
                                             <p:cond delay="0"/>
                                           </p:stCondLst>
